--- a/Descripcion FSS/presentacion 3er trimestre FSS.pptx
+++ b/Descripcion FSS/presentacion 3er trimestre FSS.pptx
@@ -762,7 +762,7 @@
           <a:p>
             <a:fld id="{C6FE2393-9196-4659-839C-24718EAB9A24}" type="datetimeFigureOut">
               <a:rPr lang="es-CO" smtClean="0"/>
-              <a:t>9/10/2020</a:t>
+              <a:t>11/10/2020</a:t>
             </a:fld>
             <a:endParaRPr lang="es-CO"/>
           </a:p>
@@ -1199,7 +1199,7 @@
           <a:p>
             <a:fld id="{B3030C24-9424-B24A-8613-79990C3AA492}" type="datetimeFigureOut">
               <a:rPr lang="es-ES" smtClean="0"/>
-              <a:t>09/10/2020</a:t>
+              <a:t>11/10/2020</a:t>
             </a:fld>
             <a:endParaRPr lang="es-ES"/>
           </a:p>
@@ -1379,7 +1379,7 @@
           <a:p>
             <a:fld id="{B3030C24-9424-B24A-8613-79990C3AA492}" type="datetimeFigureOut">
               <a:rPr lang="es-ES" smtClean="0"/>
-              <a:t>09/10/2020</a:t>
+              <a:t>11/10/2020</a:t>
             </a:fld>
             <a:endParaRPr lang="es-ES"/>
           </a:p>
@@ -2016,7 +2016,7 @@
           <a:p>
             <a:fld id="{B3030C24-9424-B24A-8613-79990C3AA492}" type="datetimeFigureOut">
               <a:rPr lang="es-ES" smtClean="0"/>
-              <a:t>09/10/2020</a:t>
+              <a:t>11/10/2020</a:t>
             </a:fld>
             <a:endParaRPr lang="es-ES"/>
           </a:p>
@@ -2269,7 +2269,7 @@
           <a:p>
             <a:fld id="{B3030C24-9424-B24A-8613-79990C3AA492}" type="datetimeFigureOut">
               <a:rPr lang="es-ES" smtClean="0"/>
-              <a:t>09/10/2020</a:t>
+              <a:t>11/10/2020</a:t>
             </a:fld>
             <a:endParaRPr lang="es-ES"/>
           </a:p>
@@ -2482,7 +2482,7 @@
           <a:p>
             <a:fld id="{B3030C24-9424-B24A-8613-79990C3AA492}" type="datetimeFigureOut">
               <a:rPr lang="es-ES" smtClean="0"/>
-              <a:t>09/10/2020</a:t>
+              <a:t>11/10/2020</a:t>
             </a:fld>
             <a:endParaRPr lang="es-ES"/>
           </a:p>
@@ -3924,7 +3924,7 @@
         </p:blipFill>
         <p:spPr>
           <a:xfrm>
-            <a:off x="423230" y="2302932"/>
+            <a:off x="391851" y="1507067"/>
             <a:ext cx="2055407" cy="1905189"/>
           </a:xfrm>
           <a:prstGeom prst="rect">
@@ -3950,7 +3950,7 @@
         </p:nvSpPr>
         <p:spPr>
           <a:xfrm>
-            <a:off x="2565400" y="2302933"/>
+            <a:off x="2544481" y="1507067"/>
             <a:ext cx="4004733" cy="2620897"/>
           </a:xfrm>
         </p:spPr>
@@ -4139,55 +4139,6 @@
           </a:p>
         </p:txBody>
       </p:sp>
-      <p:sp>
-        <p:nvSpPr>
-          <p:cNvPr id="6" name="CuadroTexto 5">
-            <a:extLst>
-              <a:ext uri="{FF2B5EF4-FFF2-40B4-BE49-F238E27FC236}">
-                <a16:creationId xmlns:a16="http://schemas.microsoft.com/office/drawing/2014/main" id="{B91B4160-E07B-4E61-81A0-93702D11A37F}"/>
-              </a:ext>
-            </a:extLst>
-          </p:cNvPr>
-          <p:cNvSpPr txBox="1"/>
-          <p:nvPr/>
-        </p:nvSpPr>
-        <p:spPr>
-          <a:xfrm>
-            <a:off x="262467" y="1292413"/>
-            <a:ext cx="8559800" cy="1354217"/>
-          </a:xfrm>
-          <a:prstGeom prst="rect">
-            <a:avLst/>
-          </a:prstGeom>
-          <a:noFill/>
-        </p:spPr>
-        <p:txBody>
-          <a:bodyPr wrap="square" rtlCol="0">
-            <a:spAutoFit/>
-          </a:bodyPr>
-          <a:lstStyle/>
-          <a:p>
-            <a:r>
-              <a:rPr lang="es-CO" sz="1600" dirty="0">
-                <a:effectLst/>
-                <a:latin typeface="Calibri" panose="020F0502020204030204" pitchFamily="34" charset="0"/>
-                <a:ea typeface="Calibri" panose="020F0502020204030204" pitchFamily="34" charset="0"/>
-                <a:cs typeface="Calibri" panose="020F0502020204030204" pitchFamily="34" charset="0"/>
-              </a:rPr>
-              <a:t>Nosotros utilizamos una serie de diagramas con el fin de obtener una buena organización de las funciones que tendría nuestro software, comenzamos a ampliar el tema de los roles y también de los tiempos a manejar para créalo, también empezamos la fase de diseño haciendo uso de un bosquejo (mockup)</a:t>
-            </a:r>
-            <a:endParaRPr lang="es-CO" sz="1600" dirty="0">
-              <a:effectLst/>
-              <a:latin typeface="Calibri" panose="020F0502020204030204" pitchFamily="34" charset="0"/>
-              <a:ea typeface="Calibri" panose="020F0502020204030204" pitchFamily="34" charset="0"/>
-              <a:cs typeface="Times New Roman" panose="02020603050405020304" pitchFamily="18" charset="0"/>
-            </a:endParaRPr>
-          </a:p>
-          <a:p>
-            <a:endParaRPr lang="es-CO" dirty="0"/>
-          </a:p>
-        </p:txBody>
-      </p:sp>
       <p:pic>
         <p:nvPicPr>
           <p:cNvPr id="8" name="Imagen 7">
@@ -4210,7 +4161,7 @@
         </p:blipFill>
         <p:spPr>
           <a:xfrm>
-            <a:off x="6743659" y="2309513"/>
+            <a:off x="6599473" y="1708380"/>
             <a:ext cx="1898609" cy="1898609"/>
           </a:xfrm>
           <a:prstGeom prst="rect">

--- a/Descripcion FSS/presentacion 3er trimestre FSS.pptx
+++ b/Descripcion FSS/presentacion 3er trimestre FSS.pptx
@@ -3529,9 +3529,50 @@
         <p:spPr/>
         <p:txBody>
           <a:bodyPr>
-            <a:normAutofit fontScale="62500" lnSpcReduction="20000"/>
+            <a:normAutofit/>
           </a:bodyPr>
           <a:lstStyle/>
+          <a:p>
+            <a:pPr algn="ctr">
+              <a:lnSpc>
+                <a:spcPct val="107000"/>
+              </a:lnSpc>
+              <a:spcAft>
+                <a:spcPts val="800"/>
+              </a:spcAft>
+            </a:pPr>
+            <a:endParaRPr lang="en-US" sz="2600" b="1" dirty="0">
+              <a:solidFill>
+                <a:schemeClr val="accent6">
+                  <a:lumMod val="75000"/>
+                </a:schemeClr>
+              </a:solidFill>
+              <a:effectLst/>
+              <a:latin typeface="Calibri" panose="020F0502020204030204" pitchFamily="34" charset="0"/>
+              <a:ea typeface="Calibri" panose="020F0502020204030204" pitchFamily="34" charset="0"/>
+              <a:cs typeface="Calibri" panose="020F0502020204030204" pitchFamily="34" charset="0"/>
+            </a:endParaRPr>
+          </a:p>
+          <a:p>
+            <a:pPr algn="ctr">
+              <a:lnSpc>
+                <a:spcPct val="107000"/>
+              </a:lnSpc>
+              <a:spcAft>
+                <a:spcPts val="800"/>
+              </a:spcAft>
+            </a:pPr>
+            <a:endParaRPr lang="en-US" sz="2600" b="1" dirty="0">
+              <a:solidFill>
+                <a:schemeClr val="accent6">
+                  <a:lumMod val="75000"/>
+                </a:schemeClr>
+              </a:solidFill>
+              <a:latin typeface="Calibri" panose="020F0502020204030204" pitchFamily="34" charset="0"/>
+              <a:ea typeface="Calibri" panose="020F0502020204030204" pitchFamily="34" charset="0"/>
+              <a:cs typeface="Calibri" panose="020F0502020204030204" pitchFamily="34" charset="0"/>
+            </a:endParaRPr>
+          </a:p>
           <a:p>
             <a:pPr algn="ctr">
               <a:lnSpc>
@@ -3568,56 +3609,6 @@
             </a:endParaRPr>
           </a:p>
           <a:p>
-            <a:pPr>
-              <a:lnSpc>
-                <a:spcPct val="107000"/>
-              </a:lnSpc>
-              <a:spcAft>
-                <a:spcPts val="800"/>
-              </a:spcAft>
-            </a:pPr>
-            <a:r>
-              <a:rPr lang="es-CO" sz="1800" dirty="0">
-                <a:effectLst/>
-                <a:latin typeface="Calibri" panose="020F0502020204030204" pitchFamily="34" charset="0"/>
-                <a:ea typeface="Calibri" panose="020F0502020204030204" pitchFamily="34" charset="0"/>
-                <a:cs typeface="Calibri" panose="020F0502020204030204" pitchFamily="34" charset="0"/>
-              </a:rPr>
-              <a:t>Fitness Steel system es un Proyecto basado en las necesidades de algunos gimnasios con un muy básico manejo de datos de forma manual, que dificultan la administración de datos, rutinas, subscripciones y pagos </a:t>
-            </a:r>
-            <a:endParaRPr lang="es-CO" sz="1800" dirty="0">
-              <a:effectLst/>
-              <a:latin typeface="Calibri" panose="020F0502020204030204" pitchFamily="34" charset="0"/>
-              <a:ea typeface="Calibri" panose="020F0502020204030204" pitchFamily="34" charset="0"/>
-              <a:cs typeface="Times New Roman" panose="02020603050405020304" pitchFamily="18" charset="0"/>
-            </a:endParaRPr>
-          </a:p>
-          <a:p>
-            <a:pPr>
-              <a:lnSpc>
-                <a:spcPct val="107000"/>
-              </a:lnSpc>
-              <a:spcAft>
-                <a:spcPts val="800"/>
-              </a:spcAft>
-            </a:pPr>
-            <a:r>
-              <a:rPr lang="es-CO" sz="1800" dirty="0">
-                <a:effectLst/>
-                <a:latin typeface="Calibri" panose="020F0502020204030204" pitchFamily="34" charset="0"/>
-                <a:ea typeface="Calibri" panose="020F0502020204030204" pitchFamily="34" charset="0"/>
-                <a:cs typeface="Calibri" panose="020F0502020204030204" pitchFamily="34" charset="0"/>
-              </a:rPr>
-              <a:t>el origen de este proyecto tuvo como base los requerimientos nombrados anteriormente, como se mencionó, su básico sistema manual a dificultado el manejo de archivos, ya que, al ser de esta forma, suele perderse información fácilmente, hay menos comunicación también, ya que obligatoriamente debe hacerse de manera presencial </a:t>
-            </a:r>
-            <a:endParaRPr lang="es-CO" sz="1800" dirty="0">
-              <a:effectLst/>
-              <a:latin typeface="Calibri" panose="020F0502020204030204" pitchFamily="34" charset="0"/>
-              <a:ea typeface="Calibri" panose="020F0502020204030204" pitchFamily="34" charset="0"/>
-              <a:cs typeface="Times New Roman" panose="02020603050405020304" pitchFamily="18" charset="0"/>
-            </a:endParaRPr>
-          </a:p>
-          <a:p>
             <a:pPr algn="ctr">
               <a:lnSpc>
                 <a:spcPct val="107000"/>
@@ -3653,96 +3644,6 @@
             </a:endParaRPr>
           </a:p>
           <a:p>
-            <a:pPr marL="342900" lvl="0" indent="-342900">
-              <a:lnSpc>
-                <a:spcPct val="107000"/>
-              </a:lnSpc>
-              <a:spcAft>
-                <a:spcPts val="800"/>
-              </a:spcAft>
-              <a:buFont typeface="Segoe UI Emoji" panose="020B0502040204020203" pitchFamily="34" charset="0"/>
-              <a:buChar char="✔"/>
-              <a:tabLst>
-                <a:tab pos="457200" algn="l"/>
-              </a:tabLst>
-            </a:pPr>
-            <a:r>
-              <a:rPr lang="es-CO" sz="1800" b="1" dirty="0">
-                <a:effectLst/>
-                <a:latin typeface="Calibri" panose="020F0502020204030204" pitchFamily="34" charset="0"/>
-                <a:ea typeface="Calibri" panose="020F0502020204030204" pitchFamily="34" charset="0"/>
-                <a:cs typeface="Calibri" panose="020F0502020204030204" pitchFamily="34" charset="0"/>
-              </a:rPr>
-              <a:t>General:</a:t>
-            </a:r>
-            <a:r>
-              <a:rPr lang="es-CO" sz="1800" dirty="0">
-                <a:solidFill>
-                  <a:srgbClr val="000000"/>
-                </a:solidFill>
-                <a:effectLst/>
-                <a:latin typeface="Calibri" panose="020F0502020204030204" pitchFamily="34" charset="0"/>
-                <a:ea typeface="Calibri" panose="020F0502020204030204" pitchFamily="34" charset="0"/>
-                <a:cs typeface="Calibri" panose="020F0502020204030204" pitchFamily="34" charset="0"/>
-              </a:rPr>
-              <a:t> </a:t>
-            </a:r>
-            <a:r>
-              <a:rPr lang="es-ES" sz="1800" dirty="0">
-                <a:effectLst/>
-                <a:latin typeface="Calibri" panose="020F0502020204030204" pitchFamily="34" charset="0"/>
-                <a:ea typeface="Calibri" panose="020F0502020204030204" pitchFamily="34" charset="0"/>
-                <a:cs typeface="Calibri" panose="020F0502020204030204" pitchFamily="34" charset="0"/>
-              </a:rPr>
-              <a:t>Desarrollar un software web mediante el uso de técnicas de programación, que satisfaga las necesidades del consumidor </a:t>
-            </a:r>
-            <a:endParaRPr lang="es-CO" sz="1800" dirty="0">
-              <a:effectLst/>
-              <a:latin typeface="Calibri" panose="020F0502020204030204" pitchFamily="34" charset="0"/>
-              <a:ea typeface="Calibri" panose="020F0502020204030204" pitchFamily="34" charset="0"/>
-              <a:cs typeface="Times New Roman" panose="02020603050405020304" pitchFamily="18" charset="0"/>
-            </a:endParaRPr>
-          </a:p>
-          <a:p>
-            <a:pPr marL="342900" lvl="0" indent="-342900">
-              <a:lnSpc>
-                <a:spcPct val="107000"/>
-              </a:lnSpc>
-              <a:spcAft>
-                <a:spcPts val="800"/>
-              </a:spcAft>
-              <a:buFont typeface="Segoe UI Emoji" panose="020B0502040204020203" pitchFamily="34" charset="0"/>
-              <a:buChar char="✔"/>
-              <a:tabLst>
-                <a:tab pos="457200" algn="l"/>
-              </a:tabLst>
-            </a:pPr>
-            <a:r>
-              <a:rPr lang="es-ES" sz="1800" b="1" dirty="0">
-                <a:effectLst/>
-                <a:latin typeface="Calibri" panose="020F0502020204030204" pitchFamily="34" charset="0"/>
-                <a:ea typeface="Calibri" panose="020F0502020204030204" pitchFamily="34" charset="0"/>
-                <a:cs typeface="Calibri" panose="020F0502020204030204" pitchFamily="34" charset="0"/>
-              </a:rPr>
-              <a:t>Específicos: </a:t>
-            </a:r>
-            <a:r>
-              <a:rPr lang="es-ES" sz="1800" dirty="0">
-                <a:effectLst/>
-                <a:latin typeface="Calibri" panose="020F0502020204030204" pitchFamily="34" charset="0"/>
-                <a:ea typeface="Calibri" panose="020F0502020204030204" pitchFamily="34" charset="0"/>
-                <a:cs typeface="Calibri" panose="020F0502020204030204" pitchFamily="34" charset="0"/>
-              </a:rPr>
-              <a:t>analizar requerimientos para así iniciar fase de diseño y desarrollo, entonces diseñar una base de datos y prototipos implementando lo aprendido y finalmente entrar a fase de prueba, para así verificar que nuestro sistema funcione de forma correcta</a:t>
-            </a:r>
-            <a:endParaRPr lang="es-CO" sz="1800" dirty="0">
-              <a:effectLst/>
-              <a:latin typeface="Calibri" panose="020F0502020204030204" pitchFamily="34" charset="0"/>
-              <a:ea typeface="Calibri" panose="020F0502020204030204" pitchFamily="34" charset="0"/>
-              <a:cs typeface="Times New Roman" panose="02020603050405020304" pitchFamily="18" charset="0"/>
-            </a:endParaRPr>
-          </a:p>
-          <a:p>
             <a:pPr algn="ctr">
               <a:lnSpc>
                 <a:spcPct val="107000"/>
@@ -3784,31 +3685,6 @@
               </a:rPr>
               <a:t> </a:t>
             </a:r>
-            <a:r>
-              <a:rPr lang="es-CO" sz="1800" dirty="0">
-                <a:latin typeface="Calibri" panose="020F0502020204030204" pitchFamily="34" charset="0"/>
-                <a:ea typeface="Calibri" panose="020F0502020204030204" pitchFamily="34" charset="0"/>
-                <a:cs typeface="Calibri" panose="020F0502020204030204" pitchFamily="34" charset="0"/>
-              </a:rPr>
-              <a:t>C</a:t>
-            </a:r>
-            <a:r>
-              <a:rPr lang="es-CO" sz="1800" dirty="0">
-                <a:effectLst/>
-                <a:latin typeface="Calibri" panose="020F0502020204030204" pitchFamily="34" charset="0"/>
-                <a:ea typeface="Calibri" panose="020F0502020204030204" pitchFamily="34" charset="0"/>
-                <a:cs typeface="Calibri" panose="020F0502020204030204" pitchFamily="34" charset="0"/>
-              </a:rPr>
-              <a:t>ontrolar, agilizar y facilitar administración de los datos y implementar un foro para facilitar la comunicación tanto de cliente, como de entrenadores y administrador </a:t>
-            </a:r>
-            <a:endParaRPr lang="es-CO" sz="1800" dirty="0">
-              <a:effectLst/>
-              <a:latin typeface="Calibri" panose="020F0502020204030204" pitchFamily="34" charset="0"/>
-              <a:ea typeface="Calibri" panose="020F0502020204030204" pitchFamily="34" charset="0"/>
-              <a:cs typeface="Times New Roman" panose="02020603050405020304" pitchFamily="18" charset="0"/>
-            </a:endParaRPr>
-          </a:p>
-          <a:p>
             <a:endParaRPr lang="es-CO" dirty="0"/>
           </a:p>
         </p:txBody>
